--- a/006-Object-Oriented-Programming/Object-Oriented Programming - Slides.pptx
+++ b/006-Object-Oriented-Programming/Object-Oriented Programming - Slides.pptx
@@ -34645,18 +34645,25 @@
               <a:t>init</a:t>
             </a:r>
             <a:r>
-              <a:rPr lang="en" sz="2400" dirty="0">
+              <a:rPr lang="en" sz="2400">
                 <a:latin typeface="Consolas" panose="020B0609020204030204" pitchFamily="49" charset="0"/>
                 <a:cs typeface="Consolas" panose="020B0609020204030204" pitchFamily="49" charset="0"/>
               </a:rPr>
-              <a:t>_</a:t>
+              <a:t>__</a:t>
+            </a:r>
+            <a:r>
+              <a:rPr lang="en" sz="2400">
+                <a:latin typeface="Arial" panose="020B0604020202020204" pitchFamily="34" charset="0"/>
+                <a:cs typeface="Arial" panose="020B0604020202020204" pitchFamily="34" charset="0"/>
+              </a:rPr>
+              <a:t> </a:t>
             </a:r>
             <a:r>
               <a:rPr lang="en" sz="2400" dirty="0">
                 <a:latin typeface="Arial" panose="020B0604020202020204" pitchFamily="34" charset="0"/>
                 <a:cs typeface="Arial" panose="020B0604020202020204" pitchFamily="34" charset="0"/>
               </a:rPr>
-              <a:t> to interact more idiomatically with the Python language</a:t>
+              <a:t>to interact more idiomatically with the Python language</a:t>
             </a:r>
           </a:p>
         </p:txBody>
